--- a/04_Results/03_Presentation/Final_Presentation.pptx
+++ b/04_Results/03_Presentation/Final_Presentation.pptx
@@ -658,7 +658,7 @@
           <a:graphicData uri="http://schemas.openxmlformats.org/presentationml/2006/ole">
             <mc:AlternateContent xmlns:mc="http://schemas.openxmlformats.org/markup-compatibility/2006">
               <mc:Choice xmlns:v="urn:schemas-microsoft-com:vml" Requires="v">
-                <p:oleObj spid="_x0000_s6344" name="think-cell Folie" r:id="rId4" imgW="270" imgH="270" progId="TCLayout.ActiveDocument.1">
+                <p:oleObj spid="_x0000_s6346" name="think-cell Folie" r:id="rId4" imgW="270" imgH="270" progId="TCLayout.ActiveDocument.1">
                   <p:embed/>
                 </p:oleObj>
               </mc:Choice>
@@ -1141,7 +1141,7 @@
           <a:graphicData uri="http://schemas.openxmlformats.org/presentationml/2006/ole">
             <mc:AlternateContent xmlns:mc="http://schemas.openxmlformats.org/markup-compatibility/2006">
               <mc:Choice xmlns:v="urn:schemas-microsoft-com:vml" Requires="v">
-                <p:oleObj spid="_x0000_s2345" name="think-cell Folie" r:id="rId5" imgW="270" imgH="270" progId="TCLayout.ActiveDocument.1">
+                <p:oleObj spid="_x0000_s2347" name="think-cell Folie" r:id="rId5" imgW="270" imgH="270" progId="TCLayout.ActiveDocument.1">
                   <p:embed/>
                 </p:oleObj>
               </mc:Choice>
@@ -1740,7 +1740,7 @@
           <a:graphicData uri="http://schemas.openxmlformats.org/presentationml/2006/ole">
             <mc:AlternateContent xmlns:mc="http://schemas.openxmlformats.org/markup-compatibility/2006">
               <mc:Choice xmlns:v="urn:schemas-microsoft-com:vml" Requires="v">
-                <p:oleObj spid="_x0000_s1341" name="think-cell Folie" r:id="rId12" imgW="270" imgH="270" progId="TCLayout.ActiveDocument.1">
+                <p:oleObj spid="_x0000_s1343" name="think-cell Folie" r:id="rId12" imgW="270" imgH="270" progId="TCLayout.ActiveDocument.1">
                   <p:embed/>
                 </p:oleObj>
               </mc:Choice>
@@ -3725,7 +3725,7 @@
           <a:graphicData uri="http://schemas.openxmlformats.org/presentationml/2006/ole">
             <mc:AlternateContent xmlns:mc="http://schemas.openxmlformats.org/markup-compatibility/2006">
               <mc:Choice xmlns:v="urn:schemas-microsoft-com:vml" Requires="v">
-                <p:oleObj spid="_x0000_s57423" name="think-cell Folie" r:id="rId20" imgW="359" imgH="360" progId="TCLayout.ActiveDocument.1">
+                <p:oleObj spid="_x0000_s57425" name="think-cell Folie" r:id="rId20" imgW="359" imgH="360" progId="TCLayout.ActiveDocument.1">
                   <p:embed/>
                 </p:oleObj>
               </mc:Choice>
@@ -13904,36 +13904,6 @@
       </p:sp>
       <p:sp>
         <p:nvSpPr>
-          <p:cNvPr id="3" name="Text Placeholder 2">
-            <a:extLst>
-              <a:ext uri="{FF2B5EF4-FFF2-40B4-BE49-F238E27FC236}">
-                <a16:creationId xmlns:a16="http://schemas.microsoft.com/office/drawing/2014/main" id="{52787176-6574-9F44-B6F0-B454DAF4A709}"/>
-              </a:ext>
-            </a:extLst>
-          </p:cNvPr>
-          <p:cNvSpPr>
-            <a:spLocks noGrp="1"/>
-          </p:cNvSpPr>
-          <p:nvPr>
-            <p:ph type="body" sz="quarter" idx="11"/>
-          </p:nvPr>
-        </p:nvSpPr>
-        <p:spPr>
-          <a:xfrm>
-            <a:off x="335999" y="6345340"/>
-            <a:ext cx="10704000" cy="144000"/>
-          </a:xfrm>
-        </p:spPr>
-        <p:txBody>
-          <a:bodyPr/>
-          <a:lstStyle/>
-          <a:p>
-            <a:endParaRPr lang="de-DE"/>
-          </a:p>
-        </p:txBody>
-      </p:sp>
-      <p:sp>
-        <p:nvSpPr>
           <p:cNvPr id="4" name="Rechteck 14">
             <a:extLst>
               <a:ext uri="{FF2B5EF4-FFF2-40B4-BE49-F238E27FC236}">
@@ -14561,14 +14531,14 @@
           <p:nvPr>
             <p:extLst>
               <p:ext uri="{D42A27DB-BD31-4B8C-83A1-F6EECF244321}">
-                <p14:modId xmlns:p14="http://schemas.microsoft.com/office/powerpoint/2010/main" val="1001303067"/>
+                <p14:modId xmlns:p14="http://schemas.microsoft.com/office/powerpoint/2010/main" val="4174380115"/>
               </p:ext>
             </p:extLst>
           </p:nvPr>
         </p:nvGraphicFramePr>
         <p:xfrm>
-          <a:off x="6023992" y="5244514"/>
-          <a:ext cx="6167088" cy="992798"/>
+          <a:off x="6023992" y="5049180"/>
+          <a:ext cx="6167090" cy="1322373"/>
         </p:xfrm>
         <a:graphic>
           <a:graphicData uri="http://schemas.openxmlformats.org/drawingml/2006/table">
@@ -14577,31 +14547,38 @@
                 <a:tableStyleId>{17292A2E-F333-43FB-9621-5CBBE7FDCDCB}</a:tableStyleId>
               </a:tblPr>
               <a:tblGrid>
-                <a:gridCol w="1541772">
+                <a:gridCol w="1233418">
                   <a:extLst>
                     <a:ext uri="{9D8B030D-6E8A-4147-A177-3AD203B41FA5}">
                       <a16:colId xmlns:a16="http://schemas.microsoft.com/office/drawing/2014/main" val="112711073"/>
                     </a:ext>
                   </a:extLst>
                 </a:gridCol>
-                <a:gridCol w="1541772">
+                <a:gridCol w="1233418">
                   <a:extLst>
                     <a:ext uri="{9D8B030D-6E8A-4147-A177-3AD203B41FA5}">
                       <a16:colId xmlns:a16="http://schemas.microsoft.com/office/drawing/2014/main" val="3840726168"/>
                     </a:ext>
                   </a:extLst>
                 </a:gridCol>
-                <a:gridCol w="1541772">
+                <a:gridCol w="1233418">
                   <a:extLst>
                     <a:ext uri="{9D8B030D-6E8A-4147-A177-3AD203B41FA5}">
                       <a16:colId xmlns:a16="http://schemas.microsoft.com/office/drawing/2014/main" val="3876120290"/>
                     </a:ext>
                   </a:extLst>
                 </a:gridCol>
-                <a:gridCol w="1541772">
+                <a:gridCol w="1233418">
                   <a:extLst>
                     <a:ext uri="{9D8B030D-6E8A-4147-A177-3AD203B41FA5}">
                       <a16:colId xmlns:a16="http://schemas.microsoft.com/office/drawing/2014/main" val="3525359256"/>
+                    </a:ext>
+                  </a:extLst>
+                </a:gridCol>
+                <a:gridCol w="1233418">
+                  <a:extLst>
+                    <a:ext uri="{9D8B030D-6E8A-4147-A177-3AD203B41FA5}">
+                      <a16:colId xmlns:a16="http://schemas.microsoft.com/office/drawing/2014/main" val="3604328085"/>
                     </a:ext>
                   </a:extLst>
                 </a:gridCol>
@@ -14694,6 +14671,36 @@
                     </a:p>
                   </a:txBody>
                   <a:tcPr marL="105119" marR="105119" marT="52559" marB="52559" anchor="b"/>
+                </a:tc>
+                <a:tc rowSpan="2">
+                  <a:txBody>
+                    <a:bodyPr/>
+                    <a:lstStyle/>
+                    <a:p>
+                      <a:pPr marL="0" marR="0" algn="ctr">
+                        <a:lnSpc>
+                          <a:spcPts val="1200"/>
+                        </a:lnSpc>
+                        <a:spcBef>
+                          <a:spcPts val="0"/>
+                        </a:spcBef>
+                        <a:spcAft>
+                          <a:spcPts val="300"/>
+                        </a:spcAft>
+                        <a:tabLst>
+                          <a:tab pos="127000" algn="l"/>
+                        </a:tabLst>
+                      </a:pPr>
+                      <a:endParaRPr lang="en-US" sz="1800" dirty="0">
+                        <a:effectLst/>
+                        <a:latin typeface="Times New Roman" panose="02020603050405020304" pitchFamily="18" charset="0"/>
+                        <a:ea typeface="SimSun" panose="02010600030101010101" pitchFamily="2" charset="-122"/>
+                      </a:endParaRPr>
+                    </a:p>
+                  </a:txBody>
+                  <a:tcPr marL="105119" marR="105119" marT="52559" marB="52559" anchor="b">
+                    <a:noFill/>
+                  </a:tcPr>
                 </a:tc>
                 <a:extLst>
                   <a:ext uri="{0D108BD9-81ED-4DB2-BD59-A6C34878D82A}">
@@ -14813,6 +14820,16 @@
                     </a:p>
                   </a:txBody>
                   <a:tcPr marL="100559" marR="100559" marT="0" marB="0" anchor="b"/>
+                </a:tc>
+                <a:tc vMerge="1">
+                  <a:txBody>
+                    <a:bodyPr/>
+                    <a:lstStyle/>
+                    <a:p>
+                      <a:endParaRPr lang="de-DE"/>
+                    </a:p>
+                  </a:txBody>
+                  <a:tcPr/>
                 </a:tc>
                 <a:tc vMerge="1">
                   <a:txBody>
@@ -14971,9 +14988,206 @@
                   </a:txBody>
                   <a:tcPr marL="100559" marR="100559" marT="0" marB="0" anchor="b"/>
                 </a:tc>
+                <a:tc>
+                  <a:txBody>
+                    <a:bodyPr/>
+                    <a:lstStyle/>
+                    <a:p>
+                      <a:pPr marL="0" marR="0" algn="ctr">
+                        <a:lnSpc>
+                          <a:spcPts val="1200"/>
+                        </a:lnSpc>
+                        <a:spcBef>
+                          <a:spcPts val="0"/>
+                        </a:spcBef>
+                        <a:spcAft>
+                          <a:spcPts val="300"/>
+                        </a:spcAft>
+                        <a:tabLst>
+                          <a:tab pos="127000" algn="l"/>
+                        </a:tabLst>
+                      </a:pPr>
+                      <a:r>
+                        <a:rPr lang="en-US" sz="1800" dirty="0">
+                          <a:effectLst/>
+                          <a:latin typeface="Times New Roman" panose="02020603050405020304" pitchFamily="18" charset="0"/>
+                          <a:ea typeface="SimSun" panose="02010600030101010101" pitchFamily="2" charset="-122"/>
+                        </a:rPr>
+                        <a:t>MSE</a:t>
+                      </a:r>
+                    </a:p>
+                  </a:txBody>
+                  <a:tcPr marL="100559" marR="100559" marT="0" marB="0" anchor="b"/>
+                </a:tc>
                 <a:extLst>
                   <a:ext uri="{0D108BD9-81ED-4DB2-BD59-A6C34878D82A}">
                     <a16:rowId xmlns:a16="http://schemas.microsoft.com/office/drawing/2014/main" val="4097859192"/>
+                  </a:ext>
+                </a:extLst>
+              </a:tr>
+              <a:tr h="329575">
+                <a:tc>
+                  <a:txBody>
+                    <a:bodyPr/>
+                    <a:lstStyle/>
+                    <a:p>
+                      <a:pPr marL="0" marR="0" algn="ctr" defTabSz="914400" rtl="0" eaLnBrk="1" latinLnBrk="0" hangingPunct="1">
+                        <a:lnSpc>
+                          <a:spcPts val="1200"/>
+                        </a:lnSpc>
+                        <a:spcBef>
+                          <a:spcPts val="0"/>
+                        </a:spcBef>
+                        <a:spcAft>
+                          <a:spcPts val="300"/>
+                        </a:spcAft>
+                        <a:tabLst>
+                          <a:tab pos="127000" algn="l"/>
+                        </a:tabLst>
+                      </a:pPr>
+                      <a:r>
+                        <a:rPr lang="en-US" sz="1800" b="0" kern="1200" dirty="0">
+                          <a:solidFill>
+                            <a:schemeClr val="dk1"/>
+                          </a:solidFill>
+                          <a:effectLst/>
+                          <a:latin typeface="+mn-lt"/>
+                          <a:ea typeface="+mn-ea"/>
+                          <a:cs typeface="+mn-cs"/>
+                        </a:rPr>
+                        <a:t>5</a:t>
+                      </a:r>
+                    </a:p>
+                  </a:txBody>
+                  <a:tcPr marL="100559" marR="100559" marT="0" marB="0" anchor="b"/>
+                </a:tc>
+                <a:tc>
+                  <a:txBody>
+                    <a:bodyPr/>
+                    <a:lstStyle/>
+                    <a:p>
+                      <a:pPr marL="0" marR="0" algn="ctr">
+                        <a:lnSpc>
+                          <a:spcPts val="1200"/>
+                        </a:lnSpc>
+                        <a:spcBef>
+                          <a:spcPts val="0"/>
+                        </a:spcBef>
+                        <a:spcAft>
+                          <a:spcPts val="300"/>
+                        </a:spcAft>
+                        <a:tabLst>
+                          <a:tab pos="127000" algn="l"/>
+                        </a:tabLst>
+                      </a:pPr>
+                      <a:r>
+                        <a:rPr lang="en-US" sz="1800" dirty="0">
+                          <a:effectLst/>
+                          <a:latin typeface="Times New Roman" panose="02020603050405020304" pitchFamily="18" charset="0"/>
+                          <a:ea typeface="SimSun" panose="02010600030101010101" pitchFamily="2" charset="-122"/>
+                        </a:rPr>
+                        <a:t>80</a:t>
+                      </a:r>
+                    </a:p>
+                  </a:txBody>
+                  <a:tcPr marL="100559" marR="100559" marT="0" marB="0" anchor="b"/>
+                </a:tc>
+                <a:tc>
+                  <a:txBody>
+                    <a:bodyPr/>
+                    <a:lstStyle/>
+                    <a:p>
+                      <a:pPr marL="0" marR="0" algn="ctr">
+                        <a:lnSpc>
+                          <a:spcPts val="1200"/>
+                        </a:lnSpc>
+                        <a:spcBef>
+                          <a:spcPts val="0"/>
+                        </a:spcBef>
+                        <a:spcAft>
+                          <a:spcPts val="300"/>
+                        </a:spcAft>
+                        <a:tabLst>
+                          <a:tab pos="127000" algn="l"/>
+                        </a:tabLst>
+                      </a:pPr>
+                      <a:r>
+                        <a:rPr lang="en-US" sz="1800" dirty="0">
+                          <a:effectLst/>
+                          <a:latin typeface="Times New Roman" panose="02020603050405020304" pitchFamily="18" charset="0"/>
+                          <a:ea typeface="SimSun" panose="02010600030101010101" pitchFamily="2" charset="-122"/>
+                        </a:rPr>
+                        <a:t>5</a:t>
+                      </a:r>
+                    </a:p>
+                  </a:txBody>
+                  <a:tcPr marL="100559" marR="100559" marT="0" marB="0" anchor="b"/>
+                </a:tc>
+                <a:tc>
+                  <a:txBody>
+                    <a:bodyPr/>
+                    <a:lstStyle/>
+                    <a:p>
+                      <a:pPr marL="0" marR="0" algn="ctr">
+                        <a:lnSpc>
+                          <a:spcPts val="1200"/>
+                        </a:lnSpc>
+                        <a:spcBef>
+                          <a:spcPts val="0"/>
+                        </a:spcBef>
+                        <a:spcAft>
+                          <a:spcPts val="300"/>
+                        </a:spcAft>
+                        <a:tabLst>
+                          <a:tab pos="127000" algn="l"/>
+                        </a:tabLst>
+                      </a:pPr>
+                      <a:r>
+                        <a:rPr lang="en-US" sz="1800" dirty="0">
+                          <a:effectLst/>
+                          <a:latin typeface="Times New Roman" panose="02020603050405020304" pitchFamily="18" charset="0"/>
+                          <a:ea typeface="SimSun" panose="02010600030101010101" pitchFamily="2" charset="-122"/>
+                        </a:rPr>
+                        <a:t>10,000</a:t>
+                      </a:r>
+                    </a:p>
+                  </a:txBody>
+                  <a:tcPr marL="100559" marR="100559" marT="0" marB="0" anchor="b"/>
+                </a:tc>
+                <a:tc>
+                  <a:txBody>
+                    <a:bodyPr/>
+                    <a:lstStyle/>
+                    <a:p>
+                      <a:pPr marL="0" marR="0" algn="ctr">
+                        <a:lnSpc>
+                          <a:spcPts val="1200"/>
+                        </a:lnSpc>
+                        <a:spcBef>
+                          <a:spcPts val="0"/>
+                        </a:spcBef>
+                        <a:spcAft>
+                          <a:spcPts val="300"/>
+                        </a:spcAft>
+                        <a:tabLst>
+                          <a:tab pos="127000" algn="l"/>
+                        </a:tabLst>
+                      </a:pPr>
+                      <a:r>
+                        <a:rPr lang="en-US" sz="1800" dirty="0">
+                          <a:effectLst/>
+                          <a:latin typeface="Times New Roman" panose="02020603050405020304" pitchFamily="18" charset="0"/>
+                          <a:ea typeface="SimSun" panose="02010600030101010101" pitchFamily="2" charset="-122"/>
+                        </a:rPr>
+                        <a:t>ACC</a:t>
+                      </a:r>
+                    </a:p>
+                  </a:txBody>
+                  <a:tcPr marL="100559" marR="100559" marT="0" marB="0" anchor="b"/>
+                </a:tc>
+                <a:extLst>
+                  <a:ext uri="{0D108BD9-81ED-4DB2-BD59-A6C34878D82A}">
+                    <a16:rowId xmlns:a16="http://schemas.microsoft.com/office/drawing/2014/main" val="603067390"/>
                   </a:ext>
                 </a:extLst>
               </a:tr>
